--- a/res/Testes unitários – Jogo de Xadrez.pptx
+++ b/res/Testes unitários – Jogo de Xadrez.pptx
@@ -6,9 +6,12 @@
   </p:sldMasterIdLst>
   <p:sldIdLst>
     <p:sldId id="256" r:id="rId2"/>
-    <p:sldId id="257" r:id="rId3"/>
-    <p:sldId id="258" r:id="rId4"/>
-    <p:sldId id="259" r:id="rId5"/>
+    <p:sldId id="260" r:id="rId3"/>
+    <p:sldId id="261" r:id="rId4"/>
+    <p:sldId id="257" r:id="rId5"/>
+    <p:sldId id="258" r:id="rId6"/>
+    <p:sldId id="259" r:id="rId7"/>
+    <p:sldId id="262" r:id="rId8"/>
   </p:sldIdLst>
   <p:sldSz cx="12192000" cy="6858000"/>
   <p:notesSz cx="6858000" cy="9144000"/>
@@ -107,6 +110,11 @@
       </a:defRPr>
     </a:lvl9pPr>
   </p:defaultTextStyle>
+  <p:extLst>
+    <p:ext uri="{EFAFB233-063F-42B5-8137-9DF3F51BA10A}">
+      <p15:sldGuideLst xmlns:p15="http://schemas.microsoft.com/office/powerpoint/2012/main"/>
+    </p:ext>
+  </p:extLst>
 </p:presentation>
 </file>
 
@@ -6200,7 +6208,7 @@
           <a:p>
             <a:r>
               <a:rPr lang="pt-BR" dirty="0" smtClean="0"/>
-              <a:t>Padrão 1</a:t>
+              <a:t>Tecnologias utilizadas</a:t>
             </a:r>
             <a:endParaRPr lang="pt-BR" dirty="0"/>
           </a:p>
@@ -6208,6 +6216,364 @@
       </p:sp>
       <p:sp>
         <p:nvSpPr>
+          <p:cNvPr id="3" name="Espaço Reservado para Conteúdo 2"/>
+          <p:cNvSpPr>
+            <a:spLocks noGrp="1"/>
+          </p:cNvSpPr>
+          <p:nvPr>
+            <p:ph idx="1"/>
+          </p:nvPr>
+        </p:nvSpPr>
+        <p:spPr/>
+        <p:txBody>
+          <a:bodyPr/>
+          <a:lstStyle/>
+          <a:p>
+            <a:r>
+              <a:rPr lang="pt-BR" dirty="0" smtClean="0"/>
+              <a:t>- Java</a:t>
+            </a:r>
+          </a:p>
+          <a:p>
+            <a:r>
+              <a:rPr lang="pt-BR" dirty="0" smtClean="0"/>
+              <a:t>- </a:t>
+            </a:r>
+            <a:r>
+              <a:rPr lang="pt-BR" dirty="0" err="1" smtClean="0"/>
+              <a:t>JUnit</a:t>
+            </a:r>
+            <a:endParaRPr lang="pt-BR" dirty="0" smtClean="0"/>
+          </a:p>
+        </p:txBody>
+      </p:sp>
+      <p:sp>
+        <p:nvSpPr>
+          <p:cNvPr id="4" name="Título 1"/>
+          <p:cNvSpPr txBox="1">
+            <a:spLocks/>
+          </p:cNvSpPr>
+          <p:nvPr/>
+        </p:nvSpPr>
+        <p:spPr>
+          <a:xfrm>
+            <a:off x="645130" y="3373032"/>
+            <a:ext cx="9404723" cy="1400530"/>
+          </a:xfrm>
+          <a:prstGeom prst="rect">
+            <a:avLst/>
+          </a:prstGeom>
+        </p:spPr>
+        <p:txBody>
+          <a:bodyPr vert="horz" lIns="91440" tIns="45720" rIns="91440" bIns="45720" rtlCol="0" anchor="t">
+            <a:noAutofit/>
+          </a:bodyPr>
+          <a:lstStyle>
+            <a:lvl1pPr algn="l" defTabSz="457200" rtl="0" eaLnBrk="1" latinLnBrk="0" hangingPunct="1">
+              <a:spcBef>
+                <a:spcPct val="0"/>
+              </a:spcBef>
+              <a:buNone/>
+              <a:defRPr sz="4200" b="0" i="0" kern="1200">
+                <a:solidFill>
+                  <a:schemeClr val="tx2"/>
+                </a:solidFill>
+                <a:latin typeface="+mj-lt"/>
+                <a:ea typeface="+mj-ea"/>
+                <a:cs typeface="+mj-cs"/>
+              </a:defRPr>
+            </a:lvl1pPr>
+            <a:lvl2pPr eaLnBrk="1" hangingPunct="1">
+              <a:defRPr>
+                <a:solidFill>
+                  <a:schemeClr val="tx2"/>
+                </a:solidFill>
+              </a:defRPr>
+            </a:lvl2pPr>
+            <a:lvl3pPr eaLnBrk="1" hangingPunct="1">
+              <a:defRPr>
+                <a:solidFill>
+                  <a:schemeClr val="tx2"/>
+                </a:solidFill>
+              </a:defRPr>
+            </a:lvl3pPr>
+            <a:lvl4pPr eaLnBrk="1" hangingPunct="1">
+              <a:defRPr>
+                <a:solidFill>
+                  <a:schemeClr val="tx2"/>
+                </a:solidFill>
+              </a:defRPr>
+            </a:lvl4pPr>
+            <a:lvl5pPr eaLnBrk="1" hangingPunct="1">
+              <a:defRPr>
+                <a:solidFill>
+                  <a:schemeClr val="tx2"/>
+                </a:solidFill>
+              </a:defRPr>
+            </a:lvl5pPr>
+            <a:lvl6pPr eaLnBrk="1" hangingPunct="1">
+              <a:defRPr>
+                <a:solidFill>
+                  <a:schemeClr val="tx2"/>
+                </a:solidFill>
+              </a:defRPr>
+            </a:lvl6pPr>
+            <a:lvl7pPr eaLnBrk="1" hangingPunct="1">
+              <a:defRPr>
+                <a:solidFill>
+                  <a:schemeClr val="tx2"/>
+                </a:solidFill>
+              </a:defRPr>
+            </a:lvl7pPr>
+            <a:lvl8pPr eaLnBrk="1" hangingPunct="1">
+              <a:defRPr>
+                <a:solidFill>
+                  <a:schemeClr val="tx2"/>
+                </a:solidFill>
+              </a:defRPr>
+            </a:lvl8pPr>
+            <a:lvl9pPr eaLnBrk="1" hangingPunct="1">
+              <a:defRPr>
+                <a:solidFill>
+                  <a:schemeClr val="tx2"/>
+                </a:solidFill>
+              </a:defRPr>
+            </a:lvl9pPr>
+          </a:lstStyle>
+          <a:p>
+            <a:endParaRPr lang="pt-BR" dirty="0"/>
+          </a:p>
+        </p:txBody>
+      </p:sp>
+    </p:spTree>
+    <p:extLst>
+      <p:ext uri="{BB962C8B-B14F-4D97-AF65-F5344CB8AC3E}">
+        <p14:creationId xmlns:p14="http://schemas.microsoft.com/office/powerpoint/2010/main" val="74432107"/>
+      </p:ext>
+    </p:extLst>
+  </p:cSld>
+  <p:clrMapOvr>
+    <a:masterClrMapping/>
+  </p:clrMapOvr>
+</p:sld>
+</file>
+
+<file path=ppt/slides/slide3.xml><?xml version="1.0" encoding="utf-8"?>
+<p:sld xmlns:a="http://schemas.openxmlformats.org/drawingml/2006/main" xmlns:r="http://schemas.openxmlformats.org/officeDocument/2006/relationships" xmlns:p="http://schemas.openxmlformats.org/presentationml/2006/main">
+  <p:cSld>
+    <p:spTree>
+      <p:nvGrpSpPr>
+        <p:cNvPr id="1" name=""/>
+        <p:cNvGrpSpPr/>
+        <p:nvPr/>
+      </p:nvGrpSpPr>
+      <p:grpSpPr>
+        <a:xfrm>
+          <a:off x="0" y="0"/>
+          <a:ext cx="0" cy="0"/>
+          <a:chOff x="0" y="0"/>
+          <a:chExt cx="0" cy="0"/>
+        </a:xfrm>
+      </p:grpSpPr>
+      <p:sp>
+        <p:nvSpPr>
+          <p:cNvPr id="2" name="Título 1"/>
+          <p:cNvSpPr>
+            <a:spLocks noGrp="1"/>
+          </p:cNvSpPr>
+          <p:nvPr>
+            <p:ph type="title"/>
+          </p:nvPr>
+        </p:nvSpPr>
+        <p:spPr/>
+        <p:txBody>
+          <a:bodyPr/>
+          <a:lstStyle/>
+          <a:p>
+            <a:r>
+              <a:rPr lang="pt-BR" dirty="0" smtClean="0"/>
+              <a:t>Regras do xadrez</a:t>
+            </a:r>
+            <a:endParaRPr lang="pt-BR" dirty="0"/>
+          </a:p>
+        </p:txBody>
+      </p:sp>
+      <p:sp>
+        <p:nvSpPr>
+          <p:cNvPr id="3" name="Espaço Reservado para Conteúdo 2"/>
+          <p:cNvSpPr>
+            <a:spLocks noGrp="1"/>
+          </p:cNvSpPr>
+          <p:nvPr>
+            <p:ph idx="1"/>
+          </p:nvPr>
+        </p:nvSpPr>
+        <p:spPr/>
+        <p:txBody>
+          <a:bodyPr>
+            <a:normAutofit fontScale="77500" lnSpcReduction="20000"/>
+          </a:bodyPr>
+          <a:lstStyle/>
+          <a:p>
+            <a:pPr marL="0" indent="0">
+              <a:buNone/>
+            </a:pPr>
+            <a:endParaRPr lang="pt-BR" dirty="0" smtClean="0">
+              <a:hlinkClick r:id="rId2"/>
+            </a:endParaRPr>
+          </a:p>
+          <a:p>
+            <a:r>
+              <a:rPr lang="pt-BR" dirty="0" smtClean="0"/>
+              <a:t>Link das </a:t>
+            </a:r>
+            <a:r>
+              <a:rPr lang="pt-BR" dirty="0" smtClean="0">
+                <a:hlinkClick r:id="rId3"/>
+              </a:rPr>
+              <a:t>regras</a:t>
+            </a:r>
+            <a:endParaRPr lang="pt-BR" dirty="0"/>
+          </a:p>
+          <a:p>
+            <a:r>
+              <a:rPr lang="pt-BR" dirty="0" smtClean="0"/>
+              <a:t>Implementado</a:t>
+            </a:r>
+          </a:p>
+          <a:p>
+            <a:r>
+              <a:rPr lang="pt-BR" dirty="0" smtClean="0"/>
+              <a:t>Movimento básico das peças</a:t>
+            </a:r>
+          </a:p>
+          <a:p>
+            <a:r>
+              <a:rPr lang="pt-BR" dirty="0" smtClean="0"/>
+              <a:t>Movimento “Roque”</a:t>
+            </a:r>
+          </a:p>
+          <a:p>
+            <a:r>
+              <a:rPr lang="pt-BR" dirty="0" smtClean="0"/>
+              <a:t>Verificação de xeque</a:t>
+            </a:r>
+          </a:p>
+          <a:p>
+            <a:r>
+              <a:rPr lang="pt-BR" dirty="0" smtClean="0"/>
+              <a:t>Xeque mate</a:t>
+            </a:r>
+          </a:p>
+          <a:p>
+            <a:r>
+              <a:rPr lang="pt-BR" dirty="0" smtClean="0"/>
+              <a:t>Turnos</a:t>
+            </a:r>
+            <a:endParaRPr lang="pt-BR" dirty="0"/>
+          </a:p>
+          <a:p>
+            <a:endParaRPr lang="pt-BR" dirty="0" smtClean="0"/>
+          </a:p>
+          <a:p>
+            <a:endParaRPr lang="pt-BR" dirty="0"/>
+          </a:p>
+          <a:p>
+            <a:r>
+              <a:rPr lang="pt-BR" dirty="0" smtClean="0"/>
+              <a:t>Não implementado</a:t>
+            </a:r>
+          </a:p>
+          <a:p>
+            <a:r>
+              <a:rPr lang="pt-BR" dirty="0" smtClean="0"/>
+              <a:t>Movimento “</a:t>
+            </a:r>
+            <a:r>
+              <a:rPr lang="pt-BR" dirty="0" err="1" smtClean="0"/>
+              <a:t>en</a:t>
+            </a:r>
+            <a:r>
+              <a:rPr lang="pt-BR" dirty="0" smtClean="0"/>
+              <a:t> </a:t>
+            </a:r>
+            <a:r>
+              <a:rPr lang="pt-BR" dirty="0"/>
+              <a:t>passant” ou “Ao passar</a:t>
+            </a:r>
+            <a:r>
+              <a:rPr lang="pt-BR" dirty="0" smtClean="0"/>
+              <a:t>”</a:t>
+            </a:r>
+          </a:p>
+          <a:p>
+            <a:r>
+              <a:rPr lang="pt-BR" dirty="0" smtClean="0"/>
+              <a:t>Promoção </a:t>
+            </a:r>
+            <a:r>
+              <a:rPr lang="pt-BR" dirty="0"/>
+              <a:t>do Peão</a:t>
+            </a:r>
+            <a:endParaRPr lang="pt-BR" dirty="0"/>
+          </a:p>
+        </p:txBody>
+      </p:sp>
+    </p:spTree>
+    <p:extLst>
+      <p:ext uri="{BB962C8B-B14F-4D97-AF65-F5344CB8AC3E}">
+        <p14:creationId xmlns:p14="http://schemas.microsoft.com/office/powerpoint/2010/main" val="920017715"/>
+      </p:ext>
+    </p:extLst>
+  </p:cSld>
+  <p:clrMapOvr>
+    <a:masterClrMapping/>
+  </p:clrMapOvr>
+</p:sld>
+</file>
+
+<file path=ppt/slides/slide4.xml><?xml version="1.0" encoding="utf-8"?>
+<p:sld xmlns:a="http://schemas.openxmlformats.org/drawingml/2006/main" xmlns:r="http://schemas.openxmlformats.org/officeDocument/2006/relationships" xmlns:p="http://schemas.openxmlformats.org/presentationml/2006/main">
+  <p:cSld>
+    <p:spTree>
+      <p:nvGrpSpPr>
+        <p:cNvPr id="1" name=""/>
+        <p:cNvGrpSpPr/>
+        <p:nvPr/>
+      </p:nvGrpSpPr>
+      <p:grpSpPr>
+        <a:xfrm>
+          <a:off x="0" y="0"/>
+          <a:ext cx="0" cy="0"/>
+          <a:chOff x="0" y="0"/>
+          <a:chExt cx="0" cy="0"/>
+        </a:xfrm>
+      </p:grpSpPr>
+      <p:sp>
+        <p:nvSpPr>
+          <p:cNvPr id="2" name="Título 1"/>
+          <p:cNvSpPr>
+            <a:spLocks noGrp="1"/>
+          </p:cNvSpPr>
+          <p:nvPr>
+            <p:ph type="title"/>
+          </p:nvPr>
+        </p:nvSpPr>
+        <p:spPr/>
+        <p:txBody>
+          <a:bodyPr/>
+          <a:lstStyle/>
+          <a:p>
+            <a:r>
+              <a:rPr lang="pt-BR" dirty="0" smtClean="0"/>
+              <a:t>Cenário de teste 1</a:t>
+            </a:r>
+            <a:endParaRPr lang="pt-BR" dirty="0"/>
+          </a:p>
+        </p:txBody>
+      </p:sp>
+      <p:sp>
+        <p:nvSpPr>
           <p:cNvPr id="7" name="Espaço Reservado para Conteúdo 6"/>
           <p:cNvSpPr>
             <a:spLocks noGrp="1"/>
@@ -6221,7 +6587,7 @@
           <a:bodyPr/>
           <a:lstStyle/>
           <a:p>
-            <a:endParaRPr lang="pt-BR"/>
+            <a:endParaRPr lang="pt-BR" dirty="0"/>
           </a:p>
         </p:txBody>
       </p:sp>
@@ -6269,7 +6635,7 @@
 </p:sld>
 </file>
 
-<file path=ppt/slides/slide3.xml><?xml version="1.0" encoding="utf-8"?>
+<file path=ppt/slides/slide5.xml><?xml version="1.0" encoding="utf-8"?>
 <p:sld xmlns:a="http://schemas.openxmlformats.org/drawingml/2006/main" xmlns:r="http://schemas.openxmlformats.org/officeDocument/2006/relationships" xmlns:p="http://schemas.openxmlformats.org/presentationml/2006/main">
   <p:cSld>
     <p:spTree>
@@ -6303,7 +6669,7 @@
           <a:p>
             <a:r>
               <a:rPr lang="pt-BR" dirty="0" smtClean="0"/>
-              <a:t>Padrão 2</a:t>
+              <a:t>Cenário de teste 2</a:t>
             </a:r>
             <a:endParaRPr lang="pt-BR" dirty="0"/>
           </a:p>
@@ -6372,7 +6738,7 @@
 </p:sld>
 </file>
 
-<file path=ppt/slides/slide4.xml><?xml version="1.0" encoding="utf-8"?>
+<file path=ppt/slides/slide6.xml><?xml version="1.0" encoding="utf-8"?>
 <p:sld xmlns:a="http://schemas.openxmlformats.org/drawingml/2006/main" xmlns:r="http://schemas.openxmlformats.org/officeDocument/2006/relationships" xmlns:p="http://schemas.openxmlformats.org/presentationml/2006/main">
   <p:cSld>
     <p:spTree>
@@ -6406,7 +6772,7 @@
           <a:p>
             <a:r>
               <a:rPr lang="pt-BR" dirty="0" smtClean="0"/>
-              <a:t>Padrão 3</a:t>
+              <a:t>Cenário de teste 3</a:t>
             </a:r>
             <a:endParaRPr lang="pt-BR" dirty="0"/>
           </a:p>
@@ -6459,6 +6825,92 @@
     <p:extLst>
       <p:ext uri="{BB962C8B-B14F-4D97-AF65-F5344CB8AC3E}">
         <p14:creationId xmlns:p14="http://schemas.microsoft.com/office/powerpoint/2010/main" val="425581334"/>
+      </p:ext>
+    </p:extLst>
+  </p:cSld>
+  <p:clrMapOvr>
+    <a:masterClrMapping/>
+  </p:clrMapOvr>
+</p:sld>
+</file>
+
+<file path=ppt/slides/slide7.xml><?xml version="1.0" encoding="utf-8"?>
+<p:sld xmlns:a="http://schemas.openxmlformats.org/drawingml/2006/main" xmlns:r="http://schemas.openxmlformats.org/officeDocument/2006/relationships" xmlns:p="http://schemas.openxmlformats.org/presentationml/2006/main">
+  <p:cSld>
+    <p:spTree>
+      <p:nvGrpSpPr>
+        <p:cNvPr id="1" name=""/>
+        <p:cNvGrpSpPr/>
+        <p:nvPr/>
+      </p:nvGrpSpPr>
+      <p:grpSpPr>
+        <a:xfrm>
+          <a:off x="0" y="0"/>
+          <a:ext cx="0" cy="0"/>
+          <a:chOff x="0" y="0"/>
+          <a:chExt cx="0" cy="0"/>
+        </a:xfrm>
+      </p:grpSpPr>
+      <p:sp>
+        <p:nvSpPr>
+          <p:cNvPr id="2" name="Título 1"/>
+          <p:cNvSpPr>
+            <a:spLocks noGrp="1"/>
+          </p:cNvSpPr>
+          <p:nvPr>
+            <p:ph type="title"/>
+          </p:nvPr>
+        </p:nvSpPr>
+        <p:spPr/>
+        <p:txBody>
+          <a:bodyPr/>
+          <a:lstStyle/>
+          <a:p>
+            <a:endParaRPr lang="pt-BR" dirty="0"/>
+          </a:p>
+        </p:txBody>
+      </p:sp>
+      <p:sp>
+        <p:nvSpPr>
+          <p:cNvPr id="3" name="Espaço Reservado para Conteúdo 2"/>
+          <p:cNvSpPr>
+            <a:spLocks noGrp="1"/>
+          </p:cNvSpPr>
+          <p:nvPr>
+            <p:ph idx="1"/>
+          </p:nvPr>
+        </p:nvSpPr>
+        <p:spPr/>
+        <p:txBody>
+          <a:bodyPr/>
+          <a:lstStyle/>
+          <a:p>
+            <a:r>
+              <a:rPr lang="pt-BR" dirty="0" smtClean="0"/>
+              <a:t>Link do </a:t>
+            </a:r>
+            <a:r>
+              <a:rPr lang="pt-BR" dirty="0" smtClean="0">
+                <a:hlinkClick r:id="rId2"/>
+              </a:rPr>
+              <a:t>projeto</a:t>
+            </a:r>
+            <a:r>
+              <a:rPr lang="pt-BR" dirty="0" smtClean="0"/>
+              <a:t> no </a:t>
+            </a:r>
+            <a:r>
+              <a:rPr lang="pt-BR" dirty="0" err="1" smtClean="0"/>
+              <a:t>github</a:t>
+            </a:r>
+            <a:endParaRPr lang="pt-BR" dirty="0"/>
+          </a:p>
+        </p:txBody>
+      </p:sp>
+    </p:spTree>
+    <p:extLst>
+      <p:ext uri="{BB962C8B-B14F-4D97-AF65-F5344CB8AC3E}">
+        <p14:creationId xmlns:p14="http://schemas.microsoft.com/office/powerpoint/2010/main" val="484875933"/>
       </p:ext>
     </p:extLst>
   </p:cSld>

--- a/res/Testes unitários – Jogo de Xadrez.pptx
+++ b/res/Testes unitários – Jogo de Xadrez.pptx
@@ -6241,7 +6241,14 @@
             </a:r>
             <a:r>
               <a:rPr lang="pt-BR" dirty="0" err="1" smtClean="0"/>
-              <a:t>JUnit</a:t>
+              <a:t>Junit</a:t>
+            </a:r>
+            <a:endParaRPr lang="pt-BR" dirty="0" smtClean="0"/>
+          </a:p>
+          <a:p>
+            <a:r>
+              <a:rPr lang="pt-BR" smtClean="0"/>
+              <a:t>- Eclipse</a:t>
             </a:r>
             <a:endParaRPr lang="pt-BR" dirty="0" smtClean="0"/>
           </a:p>
